--- a/reports/telco-churn-hd.pptx
+++ b/reports/telco-churn-hd.pptx
@@ -7,6 +7,9 @@
   <p:notesMasterIdLst>
     <p:notesMasterId r:id="rId43"/>
   </p:notesMasterIdLst>
+  <p:handoutMasterIdLst>
+    <p:handoutMasterId r:id="rId44"/>
+  </p:handoutMasterIdLst>
   <p:sldIdLst>
     <p:sldId id="256" r:id="rId2"/>
     <p:sldId id="257" r:id="rId3"/>
@@ -55,20 +58,20 @@
   <p:embeddedFontLst>
     <p:embeddedFont>
       <p:font typeface="Aptos Narrow" panose="020B0004020202020204" pitchFamily="34" charset="0"/>
-      <p:regular r:id="rId44"/>
-      <p:bold r:id="rId45"/>
+      <p:regular r:id="rId45"/>
+      <p:bold r:id="rId46"/>
     </p:embeddedFont>
     <p:embeddedFont>
       <p:font typeface="Barlow" panose="00000500000000000000" pitchFamily="2" charset="0"/>
-      <p:regular r:id="rId46"/>
+      <p:regular r:id="rId47"/>
     </p:embeddedFont>
     <p:embeddedFont>
       <p:font typeface="Barlow Bold" panose="020B0604020202020204" charset="0"/>
-      <p:regular r:id="rId47"/>
+      <p:regular r:id="rId48"/>
     </p:embeddedFont>
     <p:embeddedFont>
       <p:font typeface="Barlow Semi-Bold" panose="020B0604020202020204" charset="0"/>
-      <p:regular r:id="rId48"/>
+      <p:regular r:id="rId49"/>
     </p:embeddedFont>
   </p:embeddedFontLst>
   <p:defaultTextStyle>
@@ -183,6 +186,196 @@
     </p:ext>
   </p:extLst>
 </p:presentation>
+</file>
+
+<file path=ppt/handoutMasters/handoutMaster1.xml><?xml version="1.0" encoding="utf-8"?>
+<p:handoutMaster xmlns:a="http://schemas.openxmlformats.org/drawingml/2006/main" xmlns:r="http://schemas.openxmlformats.org/officeDocument/2006/relationships" xmlns:p="http://schemas.openxmlformats.org/presentationml/2006/main">
+  <p:cSld>
+    <p:bg>
+      <p:bgRef idx="1001">
+        <a:schemeClr val="bg1"/>
+      </p:bgRef>
+    </p:bg>
+    <p:spTree>
+      <p:nvGrpSpPr>
+        <p:cNvPr id="1" name=""/>
+        <p:cNvGrpSpPr/>
+        <p:nvPr/>
+      </p:nvGrpSpPr>
+      <p:grpSpPr>
+        <a:xfrm>
+          <a:off x="0" y="0"/>
+          <a:ext cx="0" cy="0"/>
+          <a:chOff x="0" y="0"/>
+          <a:chExt cx="0" cy="0"/>
+        </a:xfrm>
+      </p:grpSpPr>
+      <p:sp>
+        <p:nvSpPr>
+          <p:cNvPr id="2" name="Header Placeholder 1">
+            <a:extLst>
+              <a:ext uri="{FF2B5EF4-FFF2-40B4-BE49-F238E27FC236}">
+                <a16:creationId xmlns:a16="http://schemas.microsoft.com/office/drawing/2014/main" id="{E08B712D-09C6-D919-3BBF-AAA04B9AA73B}"/>
+              </a:ext>
+            </a:extLst>
+          </p:cNvPr>
+          <p:cNvSpPr>
+            <a:spLocks noGrp="1"/>
+          </p:cNvSpPr>
+          <p:nvPr>
+            <p:ph type="hdr" sz="quarter"/>
+          </p:nvPr>
+        </p:nvSpPr>
+        <p:spPr>
+          <a:xfrm>
+            <a:off x="0" y="0"/>
+            <a:ext cx="2971800" cy="458788"/>
+          </a:xfrm>
+          <a:prstGeom prst="rect">
+            <a:avLst/>
+          </a:prstGeom>
+        </p:spPr>
+        <p:txBody>
+          <a:bodyPr vert="horz" lIns="91440" tIns="45720" rIns="91440" bIns="45720" rtlCol="0"/>
+          <a:lstStyle>
+            <a:lvl1pPr algn="l">
+              <a:defRPr sz="1200"/>
+            </a:lvl1pPr>
+          </a:lstStyle>
+          <a:p>
+            <a:endParaRPr lang="en-ID"/>
+          </a:p>
+        </p:txBody>
+      </p:sp>
+      <p:sp>
+        <p:nvSpPr>
+          <p:cNvPr id="3" name="Date Placeholder 2">
+            <a:extLst>
+              <a:ext uri="{FF2B5EF4-FFF2-40B4-BE49-F238E27FC236}">
+                <a16:creationId xmlns:a16="http://schemas.microsoft.com/office/drawing/2014/main" id="{7EA994CC-6DF7-0DD5-4399-B07AAB77824C}"/>
+              </a:ext>
+            </a:extLst>
+          </p:cNvPr>
+          <p:cNvSpPr>
+            <a:spLocks noGrp="1"/>
+          </p:cNvSpPr>
+          <p:nvPr>
+            <p:ph type="dt" sz="quarter" idx="1"/>
+          </p:nvPr>
+        </p:nvSpPr>
+        <p:spPr>
+          <a:xfrm>
+            <a:off x="3884613" y="0"/>
+            <a:ext cx="2971800" cy="458788"/>
+          </a:xfrm>
+          <a:prstGeom prst="rect">
+            <a:avLst/>
+          </a:prstGeom>
+        </p:spPr>
+        <p:txBody>
+          <a:bodyPr vert="horz" lIns="91440" tIns="45720" rIns="91440" bIns="45720" rtlCol="0"/>
+          <a:lstStyle>
+            <a:lvl1pPr algn="r">
+              <a:defRPr sz="1200"/>
+            </a:lvl1pPr>
+          </a:lstStyle>
+          <a:p>
+            <a:fld id="{60962798-CB31-42FF-9160-E0043F1E6B31}" type="datetimeFigureOut">
+              <a:rPr lang="en-ID" smtClean="0"/>
+              <a:t>19/05/2025</a:t>
+            </a:fld>
+            <a:endParaRPr lang="en-ID"/>
+          </a:p>
+        </p:txBody>
+      </p:sp>
+      <p:sp>
+        <p:nvSpPr>
+          <p:cNvPr id="4" name="Footer Placeholder 3">
+            <a:extLst>
+              <a:ext uri="{FF2B5EF4-FFF2-40B4-BE49-F238E27FC236}">
+                <a16:creationId xmlns:a16="http://schemas.microsoft.com/office/drawing/2014/main" id="{67953499-286D-E12B-CBE0-D28E11DC61D5}"/>
+              </a:ext>
+            </a:extLst>
+          </p:cNvPr>
+          <p:cNvSpPr>
+            <a:spLocks noGrp="1"/>
+          </p:cNvSpPr>
+          <p:nvPr>
+            <p:ph type="ftr" sz="quarter" idx="2"/>
+          </p:nvPr>
+        </p:nvSpPr>
+        <p:spPr>
+          <a:xfrm>
+            <a:off x="0" y="8685213"/>
+            <a:ext cx="2971800" cy="458787"/>
+          </a:xfrm>
+          <a:prstGeom prst="rect">
+            <a:avLst/>
+          </a:prstGeom>
+        </p:spPr>
+        <p:txBody>
+          <a:bodyPr vert="horz" lIns="91440" tIns="45720" rIns="91440" bIns="45720" rtlCol="0" anchor="b"/>
+          <a:lstStyle>
+            <a:lvl1pPr algn="l">
+              <a:defRPr sz="1200"/>
+            </a:lvl1pPr>
+          </a:lstStyle>
+          <a:p>
+            <a:endParaRPr lang="en-ID"/>
+          </a:p>
+        </p:txBody>
+      </p:sp>
+      <p:sp>
+        <p:nvSpPr>
+          <p:cNvPr id="5" name="Slide Number Placeholder 4">
+            <a:extLst>
+              <a:ext uri="{FF2B5EF4-FFF2-40B4-BE49-F238E27FC236}">
+                <a16:creationId xmlns:a16="http://schemas.microsoft.com/office/drawing/2014/main" id="{6818745B-23A5-4856-C19F-31ACF45CEE3A}"/>
+              </a:ext>
+            </a:extLst>
+          </p:cNvPr>
+          <p:cNvSpPr>
+            <a:spLocks noGrp="1"/>
+          </p:cNvSpPr>
+          <p:nvPr>
+            <p:ph type="sldNum" sz="quarter" idx="3"/>
+          </p:nvPr>
+        </p:nvSpPr>
+        <p:spPr>
+          <a:xfrm>
+            <a:off x="3884613" y="8685213"/>
+            <a:ext cx="2971800" cy="458787"/>
+          </a:xfrm>
+          <a:prstGeom prst="rect">
+            <a:avLst/>
+          </a:prstGeom>
+        </p:spPr>
+        <p:txBody>
+          <a:bodyPr vert="horz" lIns="91440" tIns="45720" rIns="91440" bIns="45720" rtlCol="0" anchor="b"/>
+          <a:lstStyle>
+            <a:lvl1pPr algn="r">
+              <a:defRPr sz="1200"/>
+            </a:lvl1pPr>
+          </a:lstStyle>
+          <a:p>
+            <a:fld id="{22F3C12C-F0F8-4CA6-BC75-3DFB3F906CFD}" type="slidenum">
+              <a:rPr lang="en-ID" smtClean="0"/>
+              <a:t>‹#›</a:t>
+            </a:fld>
+            <a:endParaRPr lang="en-ID"/>
+          </a:p>
+        </p:txBody>
+      </p:sp>
+    </p:spTree>
+    <p:extLst>
+      <p:ext uri="{BB962C8B-B14F-4D97-AF65-F5344CB8AC3E}">
+        <p14:creationId xmlns:p14="http://schemas.microsoft.com/office/powerpoint/2010/main" val="1956214744"/>
+      </p:ext>
+    </p:extLst>
+  </p:cSld>
+  <p:clrMap bg1="lt1" tx1="dk1" bg2="lt2" tx2="dk2" accent1="accent1" accent2="accent2" accent3="accent3" accent4="accent4" accent5="accent5" accent6="accent6" hlink="hlink" folHlink="folHlink"/>
+  <p:hf hdr="0" ftr="0" dt="0"/>
+</p:handoutMaster>
 </file>
 
 <file path=ppt/notesMasters/notesMaster1.xml><?xml version="1.0" encoding="utf-8"?>
@@ -440,6 +633,7 @@
     </p:extLst>
   </p:cSld>
   <p:clrMap bg1="lt1" tx1="dk1" bg2="lt2" tx2="dk2" accent1="accent1" accent2="accent2" accent3="accent3" accent4="accent4" accent5="accent5" accent6="accent6" hlink="hlink" folHlink="folHlink"/>
+  <p:hf hdr="0" ftr="0" dt="0"/>
   <p:notesStyle>
     <a:lvl1pPr marL="0" algn="l" defTabSz="914400" rtl="0" eaLnBrk="1" latinLnBrk="0" hangingPunct="1">
       <a:defRPr sz="1200" kern="1200">
@@ -554,37 +748,6 @@
       </p:grpSpPr>
       <p:sp>
         <p:nvSpPr>
-          <p:cNvPr id="2" name="Header Placeholder 1"/>
-          <p:cNvSpPr>
-            <a:spLocks noGrp="1"/>
-          </p:cNvSpPr>
-          <p:nvPr>
-            <p:ph type="hdr" sz="quarter"/>
-          </p:nvPr>
-        </p:nvSpPr>
-        <p:spPr>
-          <a:xfrm>
-            <a:off x="0" y="0"/>
-            <a:ext cx="3962400" cy="342900"/>
-          </a:xfrm>
-          <a:prstGeom prst="rect">
-            <a:avLst/>
-          </a:prstGeom>
-        </p:spPr>
-        <p:txBody>
-          <a:bodyPr vert="horz" lIns="91440" tIns="45720" rIns="91440" bIns="45720" rtlCol="0"/>
-          <a:lstStyle>
-            <a:lvl1pPr algn="l">
-              <a:defRPr sz="1200"/>
-            </a:lvl1pPr>
-          </a:lstStyle>
-          <a:p>
-            <a:endParaRPr/>
-          </a:p>
-        </p:txBody>
-      </p:sp>
-      <p:sp>
-        <p:nvSpPr>
           <p:cNvPr id="3" name="Date Placeholder 2"/>
           <p:cNvSpPr>
             <a:spLocks noGrp="1"/>
@@ -629,8 +792,8 @@
         </p:nvSpPr>
         <p:spPr>
           <a:xfrm>
-            <a:off x="2857500" y="512763"/>
-            <a:ext cx="3429000" cy="2566987"/>
+            <a:off x="2290763" y="512763"/>
+            <a:ext cx="4562475" cy="2566987"/>
           </a:xfrm>
           <a:prstGeom prst="rect">
             <a:avLst/>
@@ -707,37 +870,6 @@
               <a:rPr lang="en-US"/>
               <a:t>Spotting Problems: Understanding what hurts predictions can help businesses fix issues, like improving customer service to keep people longer.</a:t>
             </a:r>
-          </a:p>
-        </p:txBody>
-      </p:sp>
-      <p:sp>
-        <p:nvSpPr>
-          <p:cNvPr id="6" name="Footer Placeholder 5"/>
-          <p:cNvSpPr>
-            <a:spLocks noGrp="1"/>
-          </p:cNvSpPr>
-          <p:nvPr>
-            <p:ph type="ftr" sz="quarter" idx="4"/>
-          </p:nvPr>
-        </p:nvSpPr>
-        <p:spPr>
-          <a:xfrm>
-            <a:off x="0" y="6502400"/>
-            <a:ext cx="3962400" cy="341313"/>
-          </a:xfrm>
-          <a:prstGeom prst="rect">
-            <a:avLst/>
-          </a:prstGeom>
-        </p:spPr>
-        <p:txBody>
-          <a:bodyPr vert="horz" lIns="91440" tIns="45720" rIns="91440" bIns="45720" rtlCol="0" anchor="b"/>
-          <a:lstStyle>
-            <a:lvl1pPr algn="l">
-              <a:defRPr sz="1200"/>
-            </a:lvl1pPr>
-          </a:lstStyle>
-          <a:p>
-            <a:endParaRPr/>
           </a:p>
         </p:txBody>
       </p:sp>
@@ -960,9 +1092,8 @@
           <a:bodyPr/>
           <a:lstStyle/>
           <a:p>
-            <a:fld id="{1D8BD707-D9CF-40AE-B4C6-C98DA3205C09}" type="datetimeFigureOut">
+            <a:fld id="{7B9E59A1-BEEF-4107-A746-1F3C8CDB58A4}" type="datetime1">
               <a:rPr lang="en-US" smtClean="0"/>
-              <a:pPr/>
               <a:t>5/19/2025</a:t>
             </a:fld>
             <a:endParaRPr lang="en-US"/>
@@ -1125,9 +1256,8 @@
           <a:bodyPr/>
           <a:lstStyle/>
           <a:p>
-            <a:fld id="{1D8BD707-D9CF-40AE-B4C6-C98DA3205C09}" type="datetimeFigureOut">
+            <a:fld id="{EF20C915-4396-4775-A041-901DAEEDE499}" type="datetime1">
               <a:rPr lang="en-US" smtClean="0"/>
-              <a:pPr/>
               <a:t>5/19/2025</a:t>
             </a:fld>
             <a:endParaRPr lang="en-US"/>
@@ -1300,9 +1430,8 @@
           <a:bodyPr/>
           <a:lstStyle/>
           <a:p>
-            <a:fld id="{1D8BD707-D9CF-40AE-B4C6-C98DA3205C09}" type="datetimeFigureOut">
+            <a:fld id="{1BC9C962-6C81-41AE-9BFE-A9AFFC7A96EC}" type="datetime1">
               <a:rPr lang="en-US" smtClean="0"/>
-              <a:pPr/>
               <a:t>5/19/2025</a:t>
             </a:fld>
             <a:endParaRPr lang="en-US"/>
@@ -1465,9 +1594,8 @@
           <a:bodyPr/>
           <a:lstStyle/>
           <a:p>
-            <a:fld id="{1D8BD707-D9CF-40AE-B4C6-C98DA3205C09}" type="datetimeFigureOut">
+            <a:fld id="{CBD3D37B-DCDD-4E3C-A678-145DD033B10F}" type="datetime1">
               <a:rPr lang="en-US" smtClean="0"/>
-              <a:pPr/>
               <a:t>5/19/2025</a:t>
             </a:fld>
             <a:endParaRPr lang="en-US"/>
@@ -1707,9 +1835,8 @@
           <a:bodyPr/>
           <a:lstStyle/>
           <a:p>
-            <a:fld id="{1D8BD707-D9CF-40AE-B4C6-C98DA3205C09}" type="datetimeFigureOut">
+            <a:fld id="{213B18F5-E9E6-4303-BD46-0F0A14DF952C}" type="datetime1">
               <a:rPr lang="en-US" smtClean="0"/>
-              <a:pPr/>
               <a:t>5/19/2025</a:t>
             </a:fld>
             <a:endParaRPr lang="en-US"/>
@@ -1989,9 +2116,8 @@
           <a:bodyPr/>
           <a:lstStyle/>
           <a:p>
-            <a:fld id="{1D8BD707-D9CF-40AE-B4C6-C98DA3205C09}" type="datetimeFigureOut">
+            <a:fld id="{106D4B16-F386-45EF-9793-F8D14228BF27}" type="datetime1">
               <a:rPr lang="en-US" smtClean="0"/>
-              <a:pPr/>
               <a:t>5/19/2025</a:t>
             </a:fld>
             <a:endParaRPr lang="en-US"/>
@@ -2405,9 +2531,8 @@
           <a:bodyPr/>
           <a:lstStyle/>
           <a:p>
-            <a:fld id="{1D8BD707-D9CF-40AE-B4C6-C98DA3205C09}" type="datetimeFigureOut">
+            <a:fld id="{3B65AD43-8A5A-4B93-A9F8-0E114964B61C}" type="datetime1">
               <a:rPr lang="en-US" smtClean="0"/>
-              <a:pPr/>
               <a:t>5/19/2025</a:t>
             </a:fld>
             <a:endParaRPr lang="en-US"/>
@@ -2519,9 +2644,8 @@
           <a:bodyPr/>
           <a:lstStyle/>
           <a:p>
-            <a:fld id="{1D8BD707-D9CF-40AE-B4C6-C98DA3205C09}" type="datetimeFigureOut">
+            <a:fld id="{F7838A02-C51A-4581-B6DC-5645AE4ACD28}" type="datetime1">
               <a:rPr lang="en-US" smtClean="0"/>
-              <a:pPr/>
               <a:t>5/19/2025</a:t>
             </a:fld>
             <a:endParaRPr lang="en-US"/>
@@ -2611,9 +2735,8 @@
           <a:bodyPr/>
           <a:lstStyle/>
           <a:p>
-            <a:fld id="{1D8BD707-D9CF-40AE-B4C6-C98DA3205C09}" type="datetimeFigureOut">
+            <a:fld id="{B2E76E6E-547C-4268-91B3-35D4D006B8AD}" type="datetime1">
               <a:rPr lang="en-US" smtClean="0"/>
-              <a:pPr/>
               <a:t>5/19/2025</a:t>
             </a:fld>
             <a:endParaRPr lang="en-US"/>
@@ -2649,17 +2772,30 @@
             <p:ph type="sldNum" sz="quarter" idx="12"/>
           </p:nvPr>
         </p:nvSpPr>
-        <p:spPr/>
+        <p:spPr>
+          <a:xfrm>
+            <a:off x="15773400" y="9563100"/>
+            <a:ext cx="2133600" cy="365125"/>
+          </a:xfrm>
+        </p:spPr>
         <p:txBody>
           <a:bodyPr/>
-          <a:lstStyle/>
+          <a:lstStyle>
+            <a:lvl1pPr>
+              <a:defRPr>
+                <a:solidFill>
+                  <a:schemeClr val="tx1"/>
+                </a:solidFill>
+              </a:defRPr>
+            </a:lvl1pPr>
+          </a:lstStyle>
           <a:p>
             <a:fld id="{B6F15528-21DE-4FAA-801E-634DDDAF4B2B}" type="slidenum">
               <a:rPr lang="en-US" smtClean="0"/>
               <a:pPr/>
               <a:t>‹#›</a:t>
             </a:fld>
-            <a:endParaRPr lang="en-US"/>
+            <a:endParaRPr lang="en-US" dirty="0"/>
           </a:p>
         </p:txBody>
       </p:sp>
@@ -2883,9 +3019,8 @@
           <a:bodyPr/>
           <a:lstStyle/>
           <a:p>
-            <a:fld id="{1D8BD707-D9CF-40AE-B4C6-C98DA3205C09}" type="datetimeFigureOut">
+            <a:fld id="{7CC82152-C297-4F2A-B03B-1C47F0535BB5}" type="datetime1">
               <a:rPr lang="en-US" smtClean="0"/>
-              <a:pPr/>
               <a:t>5/19/2025</a:t>
             </a:fld>
             <a:endParaRPr lang="en-US"/>
@@ -3132,9 +3267,8 @@
           <a:bodyPr/>
           <a:lstStyle/>
           <a:p>
-            <a:fld id="{1D8BD707-D9CF-40AE-B4C6-C98DA3205C09}" type="datetimeFigureOut">
+            <a:fld id="{0995AE72-3D1E-4D3A-B23D-CA2B17334D5D}" type="datetime1">
               <a:rPr lang="en-US" smtClean="0"/>
-              <a:pPr/>
               <a:t>5/19/2025</a:t>
             </a:fld>
             <a:endParaRPr lang="en-US"/>
@@ -3340,9 +3474,8 @@
             </a:lvl1pPr>
           </a:lstStyle>
           <a:p>
-            <a:fld id="{1D8BD707-D9CF-40AE-B4C6-C98DA3205C09}" type="datetimeFigureOut">
+            <a:fld id="{E4AB623A-3A2D-46ED-93C2-0BCF76B03C46}" type="datetime1">
               <a:rPr lang="en-US" smtClean="0"/>
-              <a:pPr/>
               <a:t>5/19/2025</a:t>
             </a:fld>
             <a:endParaRPr lang="en-US"/>
@@ -3444,6 +3577,7 @@
     <p:sldLayoutId id="2147483658" r:id="rId10"/>
     <p:sldLayoutId id="2147483659" r:id="rId11"/>
   </p:sldLayoutIdLst>
+  <p:hf hdr="0" ftr="0" dt="0"/>
   <p:txStyles>
     <p:titleStyle>
       <a:lvl1pPr algn="ctr" defTabSz="914400" rtl="0" eaLnBrk="1" latinLnBrk="0" hangingPunct="1">
@@ -4155,6 +4289,36 @@
           </p:txBody>
         </p:sp>
       </p:grpSp>
+      <p:sp>
+        <p:nvSpPr>
+          <p:cNvPr id="12" name="Slide Number Placeholder 11">
+            <a:extLst>
+              <a:ext uri="{FF2B5EF4-FFF2-40B4-BE49-F238E27FC236}">
+                <a16:creationId xmlns:a16="http://schemas.microsoft.com/office/drawing/2014/main" id="{A3131C9A-D986-2C89-D9B9-C1AEA9E56B83}"/>
+              </a:ext>
+            </a:extLst>
+          </p:cNvPr>
+          <p:cNvSpPr>
+            <a:spLocks noGrp="1"/>
+          </p:cNvSpPr>
+          <p:nvPr>
+            <p:ph type="sldNum" sz="quarter" idx="12"/>
+          </p:nvPr>
+        </p:nvSpPr>
+        <p:spPr/>
+        <p:txBody>
+          <a:bodyPr/>
+          <a:lstStyle/>
+          <a:p>
+            <a:fld id="{B6F15528-21DE-4FAA-801E-634DDDAF4B2B}" type="slidenum">
+              <a:rPr lang="en-US" smtClean="0"/>
+              <a:pPr/>
+              <a:t>1</a:t>
+            </a:fld>
+            <a:endParaRPr lang="en-US" dirty="0"/>
+          </a:p>
+        </p:txBody>
+      </p:sp>
     </p:spTree>
   </p:cSld>
   <p:clrMapOvr>
@@ -4942,6 +5106,36 @@
           </p:txBody>
         </p:sp>
       </p:grpSp>
+      <p:sp>
+        <p:nvSpPr>
+          <p:cNvPr id="7" name="Slide Number Placeholder 6">
+            <a:extLst>
+              <a:ext uri="{FF2B5EF4-FFF2-40B4-BE49-F238E27FC236}">
+                <a16:creationId xmlns:a16="http://schemas.microsoft.com/office/drawing/2014/main" id="{330A2DAC-4A8E-642A-5492-DB09713FE722}"/>
+              </a:ext>
+            </a:extLst>
+          </p:cNvPr>
+          <p:cNvSpPr>
+            <a:spLocks noGrp="1"/>
+          </p:cNvSpPr>
+          <p:nvPr>
+            <p:ph type="sldNum" sz="quarter" idx="12"/>
+          </p:nvPr>
+        </p:nvSpPr>
+        <p:spPr/>
+        <p:txBody>
+          <a:bodyPr/>
+          <a:lstStyle/>
+          <a:p>
+            <a:fld id="{B6F15528-21DE-4FAA-801E-634DDDAF4B2B}" type="slidenum">
+              <a:rPr lang="en-US" smtClean="0"/>
+              <a:pPr/>
+              <a:t>10</a:t>
+            </a:fld>
+            <a:endParaRPr lang="en-US" dirty="0"/>
+          </a:p>
+        </p:txBody>
+      </p:sp>
     </p:spTree>
   </p:cSld>
   <p:clrMapOvr>
@@ -5186,6 +5380,36 @@
           <a:lstStyle/>
           <a:p>
             <a:endParaRPr lang="en-ID"/>
+          </a:p>
+        </p:txBody>
+      </p:sp>
+      <p:sp>
+        <p:nvSpPr>
+          <p:cNvPr id="6" name="Slide Number Placeholder 5">
+            <a:extLst>
+              <a:ext uri="{FF2B5EF4-FFF2-40B4-BE49-F238E27FC236}">
+                <a16:creationId xmlns:a16="http://schemas.microsoft.com/office/drawing/2014/main" id="{63D7F425-D5CB-4BB1-5F3E-5DEFCAD92F66}"/>
+              </a:ext>
+            </a:extLst>
+          </p:cNvPr>
+          <p:cNvSpPr>
+            <a:spLocks noGrp="1"/>
+          </p:cNvSpPr>
+          <p:nvPr>
+            <p:ph type="sldNum" sz="quarter" idx="12"/>
+          </p:nvPr>
+        </p:nvSpPr>
+        <p:spPr/>
+        <p:txBody>
+          <a:bodyPr/>
+          <a:lstStyle/>
+          <a:p>
+            <a:fld id="{B6F15528-21DE-4FAA-801E-634DDDAF4B2B}" type="slidenum">
+              <a:rPr lang="en-US" smtClean="0"/>
+              <a:pPr/>
+              <a:t>11</a:t>
+            </a:fld>
+            <a:endParaRPr lang="en-US" dirty="0"/>
           </a:p>
         </p:txBody>
       </p:sp>
@@ -6325,6 +6549,36 @@
           </a:graphicData>
         </a:graphic>
       </p:graphicFrame>
+      <p:sp>
+        <p:nvSpPr>
+          <p:cNvPr id="3" name="Slide Number Placeholder 2">
+            <a:extLst>
+              <a:ext uri="{FF2B5EF4-FFF2-40B4-BE49-F238E27FC236}">
+                <a16:creationId xmlns:a16="http://schemas.microsoft.com/office/drawing/2014/main" id="{76DCF1BC-806F-3E4F-F9A6-9D48B4A40BFB}"/>
+              </a:ext>
+            </a:extLst>
+          </p:cNvPr>
+          <p:cNvSpPr>
+            <a:spLocks noGrp="1"/>
+          </p:cNvSpPr>
+          <p:nvPr>
+            <p:ph type="sldNum" sz="quarter" idx="12"/>
+          </p:nvPr>
+        </p:nvSpPr>
+        <p:spPr/>
+        <p:txBody>
+          <a:bodyPr/>
+          <a:lstStyle/>
+          <a:p>
+            <a:fld id="{B6F15528-21DE-4FAA-801E-634DDDAF4B2B}" type="slidenum">
+              <a:rPr lang="en-US" smtClean="0"/>
+              <a:pPr/>
+              <a:t>12</a:t>
+            </a:fld>
+            <a:endParaRPr lang="en-US" dirty="0"/>
+          </a:p>
+        </p:txBody>
+      </p:sp>
     </p:spTree>
   </p:cSld>
   <p:clrMapOvr>
@@ -6752,6 +7006,36 @@
               </a:rPr>
               <a:t>Data Understanding</a:t>
             </a:r>
+          </a:p>
+        </p:txBody>
+      </p:sp>
+      <p:sp>
+        <p:nvSpPr>
+          <p:cNvPr id="5" name="Slide Number Placeholder 4">
+            <a:extLst>
+              <a:ext uri="{FF2B5EF4-FFF2-40B4-BE49-F238E27FC236}">
+                <a16:creationId xmlns:a16="http://schemas.microsoft.com/office/drawing/2014/main" id="{867558EF-A52E-4682-8142-5D26D3C07066}"/>
+              </a:ext>
+            </a:extLst>
+          </p:cNvPr>
+          <p:cNvSpPr>
+            <a:spLocks noGrp="1"/>
+          </p:cNvSpPr>
+          <p:nvPr>
+            <p:ph type="sldNum" sz="quarter" idx="12"/>
+          </p:nvPr>
+        </p:nvSpPr>
+        <p:spPr/>
+        <p:txBody>
+          <a:bodyPr/>
+          <a:lstStyle/>
+          <a:p>
+            <a:fld id="{B6F15528-21DE-4FAA-801E-634DDDAF4B2B}" type="slidenum">
+              <a:rPr lang="en-US" smtClean="0"/>
+              <a:pPr/>
+              <a:t>13</a:t>
+            </a:fld>
+            <a:endParaRPr lang="en-US" dirty="0"/>
           </a:p>
         </p:txBody>
       </p:sp>
@@ -7452,6 +7736,36 @@
           </p:txBody>
         </p:sp>
       </p:grpSp>
+      <p:sp>
+        <p:nvSpPr>
+          <p:cNvPr id="7" name="Slide Number Placeholder 6">
+            <a:extLst>
+              <a:ext uri="{FF2B5EF4-FFF2-40B4-BE49-F238E27FC236}">
+                <a16:creationId xmlns:a16="http://schemas.microsoft.com/office/drawing/2014/main" id="{4FEF1CD6-B873-619D-2BAF-17058F65CF1B}"/>
+              </a:ext>
+            </a:extLst>
+          </p:cNvPr>
+          <p:cNvSpPr>
+            <a:spLocks noGrp="1"/>
+          </p:cNvSpPr>
+          <p:nvPr>
+            <p:ph type="sldNum" sz="quarter" idx="12"/>
+          </p:nvPr>
+        </p:nvSpPr>
+        <p:spPr/>
+        <p:txBody>
+          <a:bodyPr/>
+          <a:lstStyle/>
+          <a:p>
+            <a:fld id="{B6F15528-21DE-4FAA-801E-634DDDAF4B2B}" type="slidenum">
+              <a:rPr lang="en-US" smtClean="0"/>
+              <a:pPr/>
+              <a:t>14</a:t>
+            </a:fld>
+            <a:endParaRPr lang="en-US" dirty="0"/>
+          </a:p>
+        </p:txBody>
+      </p:sp>
     </p:spTree>
   </p:cSld>
   <p:clrMapOvr>
@@ -7921,6 +8235,36 @@
               </a:rPr>
               <a:t>Data Understanding</a:t>
             </a:r>
+          </a:p>
+        </p:txBody>
+      </p:sp>
+      <p:sp>
+        <p:nvSpPr>
+          <p:cNvPr id="5" name="Slide Number Placeholder 4">
+            <a:extLst>
+              <a:ext uri="{FF2B5EF4-FFF2-40B4-BE49-F238E27FC236}">
+                <a16:creationId xmlns:a16="http://schemas.microsoft.com/office/drawing/2014/main" id="{6D162727-C13A-EF54-5A3B-C993A9179C02}"/>
+              </a:ext>
+            </a:extLst>
+          </p:cNvPr>
+          <p:cNvSpPr>
+            <a:spLocks noGrp="1"/>
+          </p:cNvSpPr>
+          <p:nvPr>
+            <p:ph type="sldNum" sz="quarter" idx="12"/>
+          </p:nvPr>
+        </p:nvSpPr>
+        <p:spPr/>
+        <p:txBody>
+          <a:bodyPr/>
+          <a:lstStyle/>
+          <a:p>
+            <a:fld id="{B6F15528-21DE-4FAA-801E-634DDDAF4B2B}" type="slidenum">
+              <a:rPr lang="en-US" smtClean="0"/>
+              <a:pPr/>
+              <a:t>15</a:t>
+            </a:fld>
+            <a:endParaRPr lang="en-US" dirty="0"/>
           </a:p>
         </p:txBody>
       </p:sp>
@@ -8856,6 +9200,36 @@
           </a:graphicData>
         </a:graphic>
       </p:graphicFrame>
+      <p:sp>
+        <p:nvSpPr>
+          <p:cNvPr id="8" name="Slide Number Placeholder 7">
+            <a:extLst>
+              <a:ext uri="{FF2B5EF4-FFF2-40B4-BE49-F238E27FC236}">
+                <a16:creationId xmlns:a16="http://schemas.microsoft.com/office/drawing/2014/main" id="{F1B9EE94-C35A-334F-069F-34E0726031AC}"/>
+              </a:ext>
+            </a:extLst>
+          </p:cNvPr>
+          <p:cNvSpPr>
+            <a:spLocks noGrp="1"/>
+          </p:cNvSpPr>
+          <p:nvPr>
+            <p:ph type="sldNum" sz="quarter" idx="12"/>
+          </p:nvPr>
+        </p:nvSpPr>
+        <p:spPr/>
+        <p:txBody>
+          <a:bodyPr/>
+          <a:lstStyle/>
+          <a:p>
+            <a:fld id="{B6F15528-21DE-4FAA-801E-634DDDAF4B2B}" type="slidenum">
+              <a:rPr lang="en-US" smtClean="0"/>
+              <a:pPr/>
+              <a:t>16</a:t>
+            </a:fld>
+            <a:endParaRPr lang="en-US" dirty="0"/>
+          </a:p>
+        </p:txBody>
+      </p:sp>
     </p:spTree>
   </p:cSld>
   <p:clrMapOvr>
@@ -10080,6 +10454,36 @@
           </a:graphicData>
         </a:graphic>
       </p:graphicFrame>
+      <p:sp>
+        <p:nvSpPr>
+          <p:cNvPr id="4" name="Slide Number Placeholder 3">
+            <a:extLst>
+              <a:ext uri="{FF2B5EF4-FFF2-40B4-BE49-F238E27FC236}">
+                <a16:creationId xmlns:a16="http://schemas.microsoft.com/office/drawing/2014/main" id="{04C45A52-E61A-7DD4-BD0B-7F1BE1F078DE}"/>
+              </a:ext>
+            </a:extLst>
+          </p:cNvPr>
+          <p:cNvSpPr>
+            <a:spLocks noGrp="1"/>
+          </p:cNvSpPr>
+          <p:nvPr>
+            <p:ph type="sldNum" sz="quarter" idx="12"/>
+          </p:nvPr>
+        </p:nvSpPr>
+        <p:spPr/>
+        <p:txBody>
+          <a:bodyPr/>
+          <a:lstStyle/>
+          <a:p>
+            <a:fld id="{B6F15528-21DE-4FAA-801E-634DDDAF4B2B}" type="slidenum">
+              <a:rPr lang="en-US" smtClean="0"/>
+              <a:pPr/>
+              <a:t>17</a:t>
+            </a:fld>
+            <a:endParaRPr lang="en-US" dirty="0"/>
+          </a:p>
+        </p:txBody>
+      </p:sp>
     </p:spTree>
   </p:cSld>
   <p:clrMapOvr>
@@ -10507,6 +10911,36 @@
               </a:rPr>
               <a:t>Data Understanding</a:t>
             </a:r>
+          </a:p>
+        </p:txBody>
+      </p:sp>
+      <p:sp>
+        <p:nvSpPr>
+          <p:cNvPr id="5" name="Slide Number Placeholder 4">
+            <a:extLst>
+              <a:ext uri="{FF2B5EF4-FFF2-40B4-BE49-F238E27FC236}">
+                <a16:creationId xmlns:a16="http://schemas.microsoft.com/office/drawing/2014/main" id="{C5E1802E-181B-4109-DF17-BBB3901FF5AE}"/>
+              </a:ext>
+            </a:extLst>
+          </p:cNvPr>
+          <p:cNvSpPr>
+            <a:spLocks noGrp="1"/>
+          </p:cNvSpPr>
+          <p:nvPr>
+            <p:ph type="sldNum" sz="quarter" idx="12"/>
+          </p:nvPr>
+        </p:nvSpPr>
+        <p:spPr/>
+        <p:txBody>
+          <a:bodyPr/>
+          <a:lstStyle/>
+          <a:p>
+            <a:fld id="{B6F15528-21DE-4FAA-801E-634DDDAF4B2B}" type="slidenum">
+              <a:rPr lang="en-US" smtClean="0"/>
+              <a:pPr/>
+              <a:t>18</a:t>
+            </a:fld>
+            <a:endParaRPr lang="en-US" dirty="0"/>
           </a:p>
         </p:txBody>
       </p:sp>
@@ -10796,6 +11230,36 @@
           <a:lstStyle/>
           <a:p>
             <a:endParaRPr lang="en-ID"/>
+          </a:p>
+        </p:txBody>
+      </p:sp>
+      <p:sp>
+        <p:nvSpPr>
+          <p:cNvPr id="6" name="Slide Number Placeholder 5">
+            <a:extLst>
+              <a:ext uri="{FF2B5EF4-FFF2-40B4-BE49-F238E27FC236}">
+                <a16:creationId xmlns:a16="http://schemas.microsoft.com/office/drawing/2014/main" id="{94C269AB-5BEA-7C0E-BE39-936275F6FD16}"/>
+              </a:ext>
+            </a:extLst>
+          </p:cNvPr>
+          <p:cNvSpPr>
+            <a:spLocks noGrp="1"/>
+          </p:cNvSpPr>
+          <p:nvPr>
+            <p:ph type="sldNum" sz="quarter" idx="12"/>
+          </p:nvPr>
+        </p:nvSpPr>
+        <p:spPr/>
+        <p:txBody>
+          <a:bodyPr/>
+          <a:lstStyle/>
+          <a:p>
+            <a:fld id="{B6F15528-21DE-4FAA-801E-634DDDAF4B2B}" type="slidenum">
+              <a:rPr lang="en-US" smtClean="0"/>
+              <a:pPr/>
+              <a:t>19</a:t>
+            </a:fld>
+            <a:endParaRPr lang="en-US" dirty="0"/>
           </a:p>
         </p:txBody>
       </p:sp>
@@ -11362,6 +11826,36 @@
           </p:sp>
         </p:grpSp>
       </p:grpSp>
+      <p:sp>
+        <p:nvSpPr>
+          <p:cNvPr id="14" name="Slide Number Placeholder 13">
+            <a:extLst>
+              <a:ext uri="{FF2B5EF4-FFF2-40B4-BE49-F238E27FC236}">
+                <a16:creationId xmlns:a16="http://schemas.microsoft.com/office/drawing/2014/main" id="{3A6CDA18-BCD8-A460-BFD4-8F8A441BB857}"/>
+              </a:ext>
+            </a:extLst>
+          </p:cNvPr>
+          <p:cNvSpPr>
+            <a:spLocks noGrp="1"/>
+          </p:cNvSpPr>
+          <p:nvPr>
+            <p:ph type="sldNum" sz="quarter" idx="12"/>
+          </p:nvPr>
+        </p:nvSpPr>
+        <p:spPr/>
+        <p:txBody>
+          <a:bodyPr/>
+          <a:lstStyle/>
+          <a:p>
+            <a:fld id="{B6F15528-21DE-4FAA-801E-634DDDAF4B2B}" type="slidenum">
+              <a:rPr lang="en-US" smtClean="0"/>
+              <a:pPr/>
+              <a:t>2</a:t>
+            </a:fld>
+            <a:endParaRPr lang="en-US" dirty="0"/>
+          </a:p>
+        </p:txBody>
+      </p:sp>
     </p:spTree>
   </p:cSld>
   <p:clrMapOvr>
@@ -12157,6 +12651,36 @@
           </p:txBody>
         </p:sp>
       </p:grpSp>
+      <p:sp>
+        <p:nvSpPr>
+          <p:cNvPr id="7" name="Slide Number Placeholder 6">
+            <a:extLst>
+              <a:ext uri="{FF2B5EF4-FFF2-40B4-BE49-F238E27FC236}">
+                <a16:creationId xmlns:a16="http://schemas.microsoft.com/office/drawing/2014/main" id="{F36652FE-A6D8-84F9-AA58-997BEB005561}"/>
+              </a:ext>
+            </a:extLst>
+          </p:cNvPr>
+          <p:cNvSpPr>
+            <a:spLocks noGrp="1"/>
+          </p:cNvSpPr>
+          <p:nvPr>
+            <p:ph type="sldNum" sz="quarter" idx="12"/>
+          </p:nvPr>
+        </p:nvSpPr>
+        <p:spPr/>
+        <p:txBody>
+          <a:bodyPr/>
+          <a:lstStyle/>
+          <a:p>
+            <a:fld id="{B6F15528-21DE-4FAA-801E-634DDDAF4B2B}" type="slidenum">
+              <a:rPr lang="en-US" smtClean="0"/>
+              <a:pPr/>
+              <a:t>20</a:t>
+            </a:fld>
+            <a:endParaRPr lang="en-US" dirty="0"/>
+          </a:p>
+        </p:txBody>
+      </p:sp>
     </p:spTree>
   </p:cSld>
   <p:clrMapOvr>
@@ -12605,6 +13129,36 @@
               </a:rPr>
               <a:t>Data Preparation</a:t>
             </a:r>
+          </a:p>
+        </p:txBody>
+      </p:sp>
+      <p:sp>
+        <p:nvSpPr>
+          <p:cNvPr id="5" name="Slide Number Placeholder 4">
+            <a:extLst>
+              <a:ext uri="{FF2B5EF4-FFF2-40B4-BE49-F238E27FC236}">
+                <a16:creationId xmlns:a16="http://schemas.microsoft.com/office/drawing/2014/main" id="{B7CD8405-3CCB-4513-8D16-16B52FCFAA1C}"/>
+              </a:ext>
+            </a:extLst>
+          </p:cNvPr>
+          <p:cNvSpPr>
+            <a:spLocks noGrp="1"/>
+          </p:cNvSpPr>
+          <p:nvPr>
+            <p:ph type="sldNum" sz="quarter" idx="12"/>
+          </p:nvPr>
+        </p:nvSpPr>
+        <p:spPr/>
+        <p:txBody>
+          <a:bodyPr/>
+          <a:lstStyle/>
+          <a:p>
+            <a:fld id="{B6F15528-21DE-4FAA-801E-634DDDAF4B2B}" type="slidenum">
+              <a:rPr lang="en-US" smtClean="0"/>
+              <a:pPr/>
+              <a:t>21</a:t>
+            </a:fld>
+            <a:endParaRPr lang="en-US" dirty="0"/>
           </a:p>
         </p:txBody>
       </p:sp>
@@ -14220,6 +14774,36 @@
           </a:p>
         </p:txBody>
       </p:sp>
+      <p:sp>
+        <p:nvSpPr>
+          <p:cNvPr id="44" name="Slide Number Placeholder 43">
+            <a:extLst>
+              <a:ext uri="{FF2B5EF4-FFF2-40B4-BE49-F238E27FC236}">
+                <a16:creationId xmlns:a16="http://schemas.microsoft.com/office/drawing/2014/main" id="{11A48492-9943-05E0-DED2-A52898BC2DD1}"/>
+              </a:ext>
+            </a:extLst>
+          </p:cNvPr>
+          <p:cNvSpPr>
+            <a:spLocks noGrp="1"/>
+          </p:cNvSpPr>
+          <p:nvPr>
+            <p:ph type="sldNum" sz="quarter" idx="12"/>
+          </p:nvPr>
+        </p:nvSpPr>
+        <p:spPr/>
+        <p:txBody>
+          <a:bodyPr/>
+          <a:lstStyle/>
+          <a:p>
+            <a:fld id="{B6F15528-21DE-4FAA-801E-634DDDAF4B2B}" type="slidenum">
+              <a:rPr lang="en-US" smtClean="0"/>
+              <a:pPr/>
+              <a:t>22</a:t>
+            </a:fld>
+            <a:endParaRPr lang="en-US" dirty="0"/>
+          </a:p>
+        </p:txBody>
+      </p:sp>
     </p:spTree>
   </p:cSld>
   <p:clrMapOvr>
@@ -14464,6 +15048,36 @@
           <a:lstStyle/>
           <a:p>
             <a:endParaRPr lang="en-ID"/>
+          </a:p>
+        </p:txBody>
+      </p:sp>
+      <p:sp>
+        <p:nvSpPr>
+          <p:cNvPr id="6" name="Slide Number Placeholder 5">
+            <a:extLst>
+              <a:ext uri="{FF2B5EF4-FFF2-40B4-BE49-F238E27FC236}">
+                <a16:creationId xmlns:a16="http://schemas.microsoft.com/office/drawing/2014/main" id="{3C43F02C-C911-055A-4B88-82C22216988F}"/>
+              </a:ext>
+            </a:extLst>
+          </p:cNvPr>
+          <p:cNvSpPr>
+            <a:spLocks noGrp="1"/>
+          </p:cNvSpPr>
+          <p:nvPr>
+            <p:ph type="sldNum" sz="quarter" idx="12"/>
+          </p:nvPr>
+        </p:nvSpPr>
+        <p:spPr/>
+        <p:txBody>
+          <a:bodyPr/>
+          <a:lstStyle/>
+          <a:p>
+            <a:fld id="{B6F15528-21DE-4FAA-801E-634DDDAF4B2B}" type="slidenum">
+              <a:rPr lang="en-US" smtClean="0"/>
+              <a:pPr/>
+              <a:t>23</a:t>
+            </a:fld>
+            <a:endParaRPr lang="en-US" dirty="0"/>
           </a:p>
         </p:txBody>
       </p:sp>
@@ -15999,6 +16613,36 @@
           </a:p>
         </p:txBody>
       </p:sp>
+      <p:sp>
+        <p:nvSpPr>
+          <p:cNvPr id="44" name="Slide Number Placeholder 43">
+            <a:extLst>
+              <a:ext uri="{FF2B5EF4-FFF2-40B4-BE49-F238E27FC236}">
+                <a16:creationId xmlns:a16="http://schemas.microsoft.com/office/drawing/2014/main" id="{62A97911-18BF-7239-F7BC-A0D7AE5685E4}"/>
+              </a:ext>
+            </a:extLst>
+          </p:cNvPr>
+          <p:cNvSpPr>
+            <a:spLocks noGrp="1"/>
+          </p:cNvSpPr>
+          <p:nvPr>
+            <p:ph type="sldNum" sz="quarter" idx="12"/>
+          </p:nvPr>
+        </p:nvSpPr>
+        <p:spPr/>
+        <p:txBody>
+          <a:bodyPr/>
+          <a:lstStyle/>
+          <a:p>
+            <a:fld id="{B6F15528-21DE-4FAA-801E-634DDDAF4B2B}" type="slidenum">
+              <a:rPr lang="en-US" smtClean="0"/>
+              <a:pPr/>
+              <a:t>24</a:t>
+            </a:fld>
+            <a:endParaRPr lang="en-US" dirty="0"/>
+          </a:p>
+        </p:txBody>
+      </p:sp>
     </p:spTree>
   </p:cSld>
   <p:clrMapOvr>
@@ -16365,6 +17009,36 @@
           <a:lstStyle/>
           <a:p>
             <a:endParaRPr lang="en-ID"/>
+          </a:p>
+        </p:txBody>
+      </p:sp>
+      <p:sp>
+        <p:nvSpPr>
+          <p:cNvPr id="8" name="Slide Number Placeholder 7">
+            <a:extLst>
+              <a:ext uri="{FF2B5EF4-FFF2-40B4-BE49-F238E27FC236}">
+                <a16:creationId xmlns:a16="http://schemas.microsoft.com/office/drawing/2014/main" id="{69027C5E-F6D0-AC50-00F7-92F809796D9F}"/>
+              </a:ext>
+            </a:extLst>
+          </p:cNvPr>
+          <p:cNvSpPr>
+            <a:spLocks noGrp="1"/>
+          </p:cNvSpPr>
+          <p:nvPr>
+            <p:ph type="sldNum" sz="quarter" idx="12"/>
+          </p:nvPr>
+        </p:nvSpPr>
+        <p:spPr/>
+        <p:txBody>
+          <a:bodyPr/>
+          <a:lstStyle/>
+          <a:p>
+            <a:fld id="{B6F15528-21DE-4FAA-801E-634DDDAF4B2B}" type="slidenum">
+              <a:rPr lang="en-US" smtClean="0"/>
+              <a:pPr/>
+              <a:t>25</a:t>
+            </a:fld>
+            <a:endParaRPr lang="en-US" dirty="0"/>
           </a:p>
         </p:txBody>
       </p:sp>
@@ -17951,6 +18625,36 @@
           </a:p>
         </p:txBody>
       </p:sp>
+      <p:sp>
+        <p:nvSpPr>
+          <p:cNvPr id="44" name="Slide Number Placeholder 43">
+            <a:extLst>
+              <a:ext uri="{FF2B5EF4-FFF2-40B4-BE49-F238E27FC236}">
+                <a16:creationId xmlns:a16="http://schemas.microsoft.com/office/drawing/2014/main" id="{D7BB2082-776D-E169-CD86-AD5B9DCFBB4F}"/>
+              </a:ext>
+            </a:extLst>
+          </p:cNvPr>
+          <p:cNvSpPr>
+            <a:spLocks noGrp="1"/>
+          </p:cNvSpPr>
+          <p:nvPr>
+            <p:ph type="sldNum" sz="quarter" idx="12"/>
+          </p:nvPr>
+        </p:nvSpPr>
+        <p:spPr/>
+        <p:txBody>
+          <a:bodyPr/>
+          <a:lstStyle/>
+          <a:p>
+            <a:fld id="{B6F15528-21DE-4FAA-801E-634DDDAF4B2B}" type="slidenum">
+              <a:rPr lang="en-US" smtClean="0"/>
+              <a:pPr/>
+              <a:t>26</a:t>
+            </a:fld>
+            <a:endParaRPr lang="en-US" dirty="0"/>
+          </a:p>
+        </p:txBody>
+      </p:sp>
     </p:spTree>
   </p:cSld>
   <p:clrMapOvr>
@@ -18657,6 +19361,36 @@
           </a:graphicData>
         </a:graphic>
       </p:graphicFrame>
+      <p:sp>
+        <p:nvSpPr>
+          <p:cNvPr id="6" name="Slide Number Placeholder 5">
+            <a:extLst>
+              <a:ext uri="{FF2B5EF4-FFF2-40B4-BE49-F238E27FC236}">
+                <a16:creationId xmlns:a16="http://schemas.microsoft.com/office/drawing/2014/main" id="{E6555639-1E12-DF08-07BE-7BE2C225B585}"/>
+              </a:ext>
+            </a:extLst>
+          </p:cNvPr>
+          <p:cNvSpPr>
+            <a:spLocks noGrp="1"/>
+          </p:cNvSpPr>
+          <p:nvPr>
+            <p:ph type="sldNum" sz="quarter" idx="12"/>
+          </p:nvPr>
+        </p:nvSpPr>
+        <p:spPr/>
+        <p:txBody>
+          <a:bodyPr/>
+          <a:lstStyle/>
+          <a:p>
+            <a:fld id="{B6F15528-21DE-4FAA-801E-634DDDAF4B2B}" type="slidenum">
+              <a:rPr lang="en-US" smtClean="0"/>
+              <a:pPr/>
+              <a:t>27</a:t>
+            </a:fld>
+            <a:endParaRPr lang="en-US" dirty="0"/>
+          </a:p>
+        </p:txBody>
+      </p:sp>
     </p:spTree>
   </p:cSld>
   <p:clrMapOvr>
@@ -20189,6 +20923,36 @@
           </a:p>
         </p:txBody>
       </p:sp>
+      <p:sp>
+        <p:nvSpPr>
+          <p:cNvPr id="44" name="Slide Number Placeholder 43">
+            <a:extLst>
+              <a:ext uri="{FF2B5EF4-FFF2-40B4-BE49-F238E27FC236}">
+                <a16:creationId xmlns:a16="http://schemas.microsoft.com/office/drawing/2014/main" id="{4304D08C-6C81-EE2E-4332-69D8F390A293}"/>
+              </a:ext>
+            </a:extLst>
+          </p:cNvPr>
+          <p:cNvSpPr>
+            <a:spLocks noGrp="1"/>
+          </p:cNvSpPr>
+          <p:nvPr>
+            <p:ph type="sldNum" sz="quarter" idx="12"/>
+          </p:nvPr>
+        </p:nvSpPr>
+        <p:spPr/>
+        <p:txBody>
+          <a:bodyPr/>
+          <a:lstStyle/>
+          <a:p>
+            <a:fld id="{B6F15528-21DE-4FAA-801E-634DDDAF4B2B}" type="slidenum">
+              <a:rPr lang="en-US" smtClean="0"/>
+              <a:pPr/>
+              <a:t>28</a:t>
+            </a:fld>
+            <a:endParaRPr lang="en-US" dirty="0"/>
+          </a:p>
+        </p:txBody>
+      </p:sp>
     </p:spTree>
   </p:cSld>
   <p:clrMapOvr>
@@ -20621,6 +21385,36 @@
           </a:p>
         </p:txBody>
       </p:sp>
+      <p:sp>
+        <p:nvSpPr>
+          <p:cNvPr id="8" name="Slide Number Placeholder 7">
+            <a:extLst>
+              <a:ext uri="{FF2B5EF4-FFF2-40B4-BE49-F238E27FC236}">
+                <a16:creationId xmlns:a16="http://schemas.microsoft.com/office/drawing/2014/main" id="{E3AE3019-9A93-906C-77BC-0C901624A95E}"/>
+              </a:ext>
+            </a:extLst>
+          </p:cNvPr>
+          <p:cNvSpPr>
+            <a:spLocks noGrp="1"/>
+          </p:cNvSpPr>
+          <p:nvPr>
+            <p:ph type="sldNum" sz="quarter" idx="12"/>
+          </p:nvPr>
+        </p:nvSpPr>
+        <p:spPr/>
+        <p:txBody>
+          <a:bodyPr/>
+          <a:lstStyle/>
+          <a:p>
+            <a:fld id="{B6F15528-21DE-4FAA-801E-634DDDAF4B2B}" type="slidenum">
+              <a:rPr lang="en-US" smtClean="0"/>
+              <a:pPr/>
+              <a:t>29</a:t>
+            </a:fld>
+            <a:endParaRPr lang="en-US" dirty="0"/>
+          </a:p>
+        </p:txBody>
+      </p:sp>
     </p:spTree>
   </p:cSld>
   <p:clrMapOvr>
@@ -20931,6 +21725,36 @@
           </a:p>
         </p:txBody>
       </p:sp>
+      <p:sp>
+        <p:nvSpPr>
+          <p:cNvPr id="6" name="Slide Number Placeholder 5">
+            <a:extLst>
+              <a:ext uri="{FF2B5EF4-FFF2-40B4-BE49-F238E27FC236}">
+                <a16:creationId xmlns:a16="http://schemas.microsoft.com/office/drawing/2014/main" id="{A6A3ED1A-D928-3CF0-C1C4-98CFA5508E4B}"/>
+              </a:ext>
+            </a:extLst>
+          </p:cNvPr>
+          <p:cNvSpPr>
+            <a:spLocks noGrp="1"/>
+          </p:cNvSpPr>
+          <p:nvPr>
+            <p:ph type="sldNum" sz="quarter" idx="12"/>
+          </p:nvPr>
+        </p:nvSpPr>
+        <p:spPr/>
+        <p:txBody>
+          <a:bodyPr/>
+          <a:lstStyle/>
+          <a:p>
+            <a:fld id="{B6F15528-21DE-4FAA-801E-634DDDAF4B2B}" type="slidenum">
+              <a:rPr lang="en-US" smtClean="0"/>
+              <a:pPr/>
+              <a:t>3</a:t>
+            </a:fld>
+            <a:endParaRPr lang="en-US" dirty="0"/>
+          </a:p>
+        </p:txBody>
+      </p:sp>
     </p:spTree>
   </p:cSld>
   <p:clrMapOvr>
@@ -21439,6 +22263,36 @@
           </a:p>
         </p:txBody>
       </p:sp>
+      <p:sp>
+        <p:nvSpPr>
+          <p:cNvPr id="5" name="Slide Number Placeholder 4">
+            <a:extLst>
+              <a:ext uri="{FF2B5EF4-FFF2-40B4-BE49-F238E27FC236}">
+                <a16:creationId xmlns:a16="http://schemas.microsoft.com/office/drawing/2014/main" id="{E57892D0-28B4-5A97-77CC-B1735FF9820C}"/>
+              </a:ext>
+            </a:extLst>
+          </p:cNvPr>
+          <p:cNvSpPr>
+            <a:spLocks noGrp="1"/>
+          </p:cNvSpPr>
+          <p:nvPr>
+            <p:ph type="sldNum" sz="quarter" idx="12"/>
+          </p:nvPr>
+        </p:nvSpPr>
+        <p:spPr/>
+        <p:txBody>
+          <a:bodyPr/>
+          <a:lstStyle/>
+          <a:p>
+            <a:fld id="{B6F15528-21DE-4FAA-801E-634DDDAF4B2B}" type="slidenum">
+              <a:rPr lang="en-US" smtClean="0"/>
+              <a:pPr/>
+              <a:t>30</a:t>
+            </a:fld>
+            <a:endParaRPr lang="en-US" dirty="0"/>
+          </a:p>
+        </p:txBody>
+      </p:sp>
     </p:spTree>
   </p:cSld>
   <p:clrMapOvr>
@@ -21887,6 +22741,36 @@
               </a:rPr>
               <a:t>Modeling</a:t>
             </a:r>
+          </a:p>
+        </p:txBody>
+      </p:sp>
+      <p:sp>
+        <p:nvSpPr>
+          <p:cNvPr id="5" name="Slide Number Placeholder 4">
+            <a:extLst>
+              <a:ext uri="{FF2B5EF4-FFF2-40B4-BE49-F238E27FC236}">
+                <a16:creationId xmlns:a16="http://schemas.microsoft.com/office/drawing/2014/main" id="{7F406540-163A-5661-3516-D72ED7625158}"/>
+              </a:ext>
+            </a:extLst>
+          </p:cNvPr>
+          <p:cNvSpPr>
+            <a:spLocks noGrp="1"/>
+          </p:cNvSpPr>
+          <p:nvPr>
+            <p:ph type="sldNum" sz="quarter" idx="12"/>
+          </p:nvPr>
+        </p:nvSpPr>
+        <p:spPr/>
+        <p:txBody>
+          <a:bodyPr/>
+          <a:lstStyle/>
+          <a:p>
+            <a:fld id="{B6F15528-21DE-4FAA-801E-634DDDAF4B2B}" type="slidenum">
+              <a:rPr lang="en-US" smtClean="0"/>
+              <a:pPr/>
+              <a:t>31</a:t>
+            </a:fld>
+            <a:endParaRPr lang="en-US" dirty="0"/>
           </a:p>
         </p:txBody>
       </p:sp>
@@ -22095,6 +22979,36 @@
           </a:p>
         </p:txBody>
       </p:sp>
+      <p:sp>
+        <p:nvSpPr>
+          <p:cNvPr id="6" name="Slide Number Placeholder 5">
+            <a:extLst>
+              <a:ext uri="{FF2B5EF4-FFF2-40B4-BE49-F238E27FC236}">
+                <a16:creationId xmlns:a16="http://schemas.microsoft.com/office/drawing/2014/main" id="{5EBC4DF9-C1E7-C321-7319-E66317544B55}"/>
+              </a:ext>
+            </a:extLst>
+          </p:cNvPr>
+          <p:cNvSpPr>
+            <a:spLocks noGrp="1"/>
+          </p:cNvSpPr>
+          <p:nvPr>
+            <p:ph type="sldNum" sz="quarter" idx="12"/>
+          </p:nvPr>
+        </p:nvSpPr>
+        <p:spPr/>
+        <p:txBody>
+          <a:bodyPr/>
+          <a:lstStyle/>
+          <a:p>
+            <a:fld id="{B6F15528-21DE-4FAA-801E-634DDDAF4B2B}" type="slidenum">
+              <a:rPr lang="en-US" smtClean="0"/>
+              <a:pPr/>
+              <a:t>32</a:t>
+            </a:fld>
+            <a:endParaRPr lang="en-US" dirty="0"/>
+          </a:p>
+        </p:txBody>
+      </p:sp>
     </p:spTree>
   </p:cSld>
   <p:clrMapOvr>
@@ -22585,6 +23499,36 @@
               </a:rPr>
               <a:t>Evaluation</a:t>
             </a:r>
+          </a:p>
+        </p:txBody>
+      </p:sp>
+      <p:sp>
+        <p:nvSpPr>
+          <p:cNvPr id="5" name="Slide Number Placeholder 4">
+            <a:extLst>
+              <a:ext uri="{FF2B5EF4-FFF2-40B4-BE49-F238E27FC236}">
+                <a16:creationId xmlns:a16="http://schemas.microsoft.com/office/drawing/2014/main" id="{5DB3D937-9A63-8640-132C-E0BE94C31FBD}"/>
+              </a:ext>
+            </a:extLst>
+          </p:cNvPr>
+          <p:cNvSpPr>
+            <a:spLocks noGrp="1"/>
+          </p:cNvSpPr>
+          <p:nvPr>
+            <p:ph type="sldNum" sz="quarter" idx="12"/>
+          </p:nvPr>
+        </p:nvSpPr>
+        <p:spPr/>
+        <p:txBody>
+          <a:bodyPr/>
+          <a:lstStyle/>
+          <a:p>
+            <a:fld id="{B6F15528-21DE-4FAA-801E-634DDDAF4B2B}" type="slidenum">
+              <a:rPr lang="en-US" smtClean="0"/>
+              <a:pPr/>
+              <a:t>33</a:t>
+            </a:fld>
+            <a:endParaRPr lang="en-US" dirty="0"/>
           </a:p>
         </p:txBody>
       </p:sp>
@@ -23427,6 +24371,36 @@
           </a:p>
         </p:txBody>
       </p:sp>
+      <p:sp>
+        <p:nvSpPr>
+          <p:cNvPr id="6" name="Slide Number Placeholder 5">
+            <a:extLst>
+              <a:ext uri="{FF2B5EF4-FFF2-40B4-BE49-F238E27FC236}">
+                <a16:creationId xmlns:a16="http://schemas.microsoft.com/office/drawing/2014/main" id="{BED74540-2F04-538A-29E5-49C79F9D45F5}"/>
+              </a:ext>
+            </a:extLst>
+          </p:cNvPr>
+          <p:cNvSpPr>
+            <a:spLocks noGrp="1"/>
+          </p:cNvSpPr>
+          <p:nvPr>
+            <p:ph type="sldNum" sz="quarter" idx="12"/>
+          </p:nvPr>
+        </p:nvSpPr>
+        <p:spPr/>
+        <p:txBody>
+          <a:bodyPr/>
+          <a:lstStyle/>
+          <a:p>
+            <a:fld id="{B6F15528-21DE-4FAA-801E-634DDDAF4B2B}" type="slidenum">
+              <a:rPr lang="en-US" smtClean="0"/>
+              <a:pPr/>
+              <a:t>34</a:t>
+            </a:fld>
+            <a:endParaRPr lang="en-US" dirty="0"/>
+          </a:p>
+        </p:txBody>
+      </p:sp>
     </p:spTree>
   </p:cSld>
   <p:clrMapOvr>
@@ -23632,6 +24606,36 @@
           </a:p>
         </p:txBody>
       </p:sp>
+      <p:sp>
+        <p:nvSpPr>
+          <p:cNvPr id="6" name="Slide Number Placeholder 5">
+            <a:extLst>
+              <a:ext uri="{FF2B5EF4-FFF2-40B4-BE49-F238E27FC236}">
+                <a16:creationId xmlns:a16="http://schemas.microsoft.com/office/drawing/2014/main" id="{97239437-25A7-6D49-443B-4E625DF56724}"/>
+              </a:ext>
+            </a:extLst>
+          </p:cNvPr>
+          <p:cNvSpPr>
+            <a:spLocks noGrp="1"/>
+          </p:cNvSpPr>
+          <p:nvPr>
+            <p:ph type="sldNum" sz="quarter" idx="12"/>
+          </p:nvPr>
+        </p:nvSpPr>
+        <p:spPr/>
+        <p:txBody>
+          <a:bodyPr/>
+          <a:lstStyle/>
+          <a:p>
+            <a:fld id="{B6F15528-21DE-4FAA-801E-634DDDAF4B2B}" type="slidenum">
+              <a:rPr lang="en-US" smtClean="0"/>
+              <a:pPr/>
+              <a:t>35</a:t>
+            </a:fld>
+            <a:endParaRPr lang="en-US" dirty="0"/>
+          </a:p>
+        </p:txBody>
+      </p:sp>
     </p:spTree>
   </p:cSld>
   <p:clrMapOvr>
@@ -24408,6 +25412,36 @@
           </p:txBody>
         </p:sp>
       </p:grpSp>
+      <p:sp>
+        <p:nvSpPr>
+          <p:cNvPr id="7" name="Slide Number Placeholder 6">
+            <a:extLst>
+              <a:ext uri="{FF2B5EF4-FFF2-40B4-BE49-F238E27FC236}">
+                <a16:creationId xmlns:a16="http://schemas.microsoft.com/office/drawing/2014/main" id="{7CD3F3D8-00FA-AEDE-D4E0-50E101288678}"/>
+              </a:ext>
+            </a:extLst>
+          </p:cNvPr>
+          <p:cNvSpPr>
+            <a:spLocks noGrp="1"/>
+          </p:cNvSpPr>
+          <p:nvPr>
+            <p:ph type="sldNum" sz="quarter" idx="12"/>
+          </p:nvPr>
+        </p:nvSpPr>
+        <p:spPr/>
+        <p:txBody>
+          <a:bodyPr/>
+          <a:lstStyle/>
+          <a:p>
+            <a:fld id="{B6F15528-21DE-4FAA-801E-634DDDAF4B2B}" type="slidenum">
+              <a:rPr lang="en-US" smtClean="0"/>
+              <a:pPr/>
+              <a:t>36</a:t>
+            </a:fld>
+            <a:endParaRPr lang="en-US" dirty="0"/>
+          </a:p>
+        </p:txBody>
+      </p:sp>
     </p:spTree>
   </p:cSld>
   <p:clrMapOvr>
@@ -24631,6 +25665,36 @@
           <a:lstStyle/>
           <a:p>
             <a:endParaRPr lang="en-ID"/>
+          </a:p>
+        </p:txBody>
+      </p:sp>
+      <p:sp>
+        <p:nvSpPr>
+          <p:cNvPr id="6" name="Slide Number Placeholder 5">
+            <a:extLst>
+              <a:ext uri="{FF2B5EF4-FFF2-40B4-BE49-F238E27FC236}">
+                <a16:creationId xmlns:a16="http://schemas.microsoft.com/office/drawing/2014/main" id="{341EC9E5-7B10-E7EE-D6B3-8B6F5D269030}"/>
+              </a:ext>
+            </a:extLst>
+          </p:cNvPr>
+          <p:cNvSpPr>
+            <a:spLocks noGrp="1"/>
+          </p:cNvSpPr>
+          <p:nvPr>
+            <p:ph type="sldNum" sz="quarter" idx="12"/>
+          </p:nvPr>
+        </p:nvSpPr>
+        <p:spPr/>
+        <p:txBody>
+          <a:bodyPr/>
+          <a:lstStyle/>
+          <a:p>
+            <a:fld id="{B6F15528-21DE-4FAA-801E-634DDDAF4B2B}" type="slidenum">
+              <a:rPr lang="en-US" smtClean="0"/>
+              <a:pPr/>
+              <a:t>37</a:t>
+            </a:fld>
+            <a:endParaRPr lang="en-US" dirty="0"/>
           </a:p>
         </p:txBody>
       </p:sp>
@@ -25110,6 +26174,36 @@
           </a:p>
         </p:txBody>
       </p:sp>
+      <p:sp>
+        <p:nvSpPr>
+          <p:cNvPr id="8" name="Slide Number Placeholder 7">
+            <a:extLst>
+              <a:ext uri="{FF2B5EF4-FFF2-40B4-BE49-F238E27FC236}">
+                <a16:creationId xmlns:a16="http://schemas.microsoft.com/office/drawing/2014/main" id="{24BF2F38-CB72-C22C-BB6B-41F60C9A8DA0}"/>
+              </a:ext>
+            </a:extLst>
+          </p:cNvPr>
+          <p:cNvSpPr>
+            <a:spLocks noGrp="1"/>
+          </p:cNvSpPr>
+          <p:nvPr>
+            <p:ph type="sldNum" sz="quarter" idx="12"/>
+          </p:nvPr>
+        </p:nvSpPr>
+        <p:spPr/>
+        <p:txBody>
+          <a:bodyPr/>
+          <a:lstStyle/>
+          <a:p>
+            <a:fld id="{B6F15528-21DE-4FAA-801E-634DDDAF4B2B}" type="slidenum">
+              <a:rPr lang="en-US" smtClean="0"/>
+              <a:pPr/>
+              <a:t>38</a:t>
+            </a:fld>
+            <a:endParaRPr lang="en-US" dirty="0"/>
+          </a:p>
+        </p:txBody>
+      </p:sp>
     </p:spTree>
   </p:cSld>
   <p:clrMapOvr>
@@ -25667,6 +26761,36 @@
           </a:graphicData>
         </a:graphic>
       </p:graphicFrame>
+      <p:sp>
+        <p:nvSpPr>
+          <p:cNvPr id="4" name="Slide Number Placeholder 3">
+            <a:extLst>
+              <a:ext uri="{FF2B5EF4-FFF2-40B4-BE49-F238E27FC236}">
+                <a16:creationId xmlns:a16="http://schemas.microsoft.com/office/drawing/2014/main" id="{0F339CB1-B27C-A52A-DC9B-272EE7745B91}"/>
+              </a:ext>
+            </a:extLst>
+          </p:cNvPr>
+          <p:cNvSpPr>
+            <a:spLocks noGrp="1"/>
+          </p:cNvSpPr>
+          <p:nvPr>
+            <p:ph type="sldNum" sz="quarter" idx="12"/>
+          </p:nvPr>
+        </p:nvSpPr>
+        <p:spPr/>
+        <p:txBody>
+          <a:bodyPr/>
+          <a:lstStyle/>
+          <a:p>
+            <a:fld id="{B6F15528-21DE-4FAA-801E-634DDDAF4B2B}" type="slidenum">
+              <a:rPr lang="en-US" smtClean="0"/>
+              <a:pPr/>
+              <a:t>39</a:t>
+            </a:fld>
+            <a:endParaRPr lang="en-US" dirty="0"/>
+          </a:p>
+        </p:txBody>
+      </p:sp>
     </p:spTree>
   </p:cSld>
   <p:clrMapOvr>
@@ -26310,6 +27434,36 @@
           </p:txBody>
         </p:sp>
       </p:grpSp>
+      <p:sp>
+        <p:nvSpPr>
+          <p:cNvPr id="7" name="Slide Number Placeholder 6">
+            <a:extLst>
+              <a:ext uri="{FF2B5EF4-FFF2-40B4-BE49-F238E27FC236}">
+                <a16:creationId xmlns:a16="http://schemas.microsoft.com/office/drawing/2014/main" id="{C8DD3FA5-8A82-37B8-DD69-D2E69EA616AA}"/>
+              </a:ext>
+            </a:extLst>
+          </p:cNvPr>
+          <p:cNvSpPr>
+            <a:spLocks noGrp="1"/>
+          </p:cNvSpPr>
+          <p:nvPr>
+            <p:ph type="sldNum" sz="quarter" idx="12"/>
+          </p:nvPr>
+        </p:nvSpPr>
+        <p:spPr/>
+        <p:txBody>
+          <a:bodyPr/>
+          <a:lstStyle/>
+          <a:p>
+            <a:fld id="{B6F15528-21DE-4FAA-801E-634DDDAF4B2B}" type="slidenum">
+              <a:rPr lang="en-US" smtClean="0"/>
+              <a:pPr/>
+              <a:t>4</a:t>
+            </a:fld>
+            <a:endParaRPr lang="en-US" dirty="0"/>
+          </a:p>
+        </p:txBody>
+      </p:sp>
     </p:spTree>
   </p:cSld>
   <p:clrMapOvr>
@@ -26741,6 +27895,36 @@
           </a:graphicData>
         </a:graphic>
       </p:graphicFrame>
+      <p:sp>
+        <p:nvSpPr>
+          <p:cNvPr id="4" name="Slide Number Placeholder 3">
+            <a:extLst>
+              <a:ext uri="{FF2B5EF4-FFF2-40B4-BE49-F238E27FC236}">
+                <a16:creationId xmlns:a16="http://schemas.microsoft.com/office/drawing/2014/main" id="{D031BF87-EAF7-95A1-A525-7E2DF4D562B7}"/>
+              </a:ext>
+            </a:extLst>
+          </p:cNvPr>
+          <p:cNvSpPr>
+            <a:spLocks noGrp="1"/>
+          </p:cNvSpPr>
+          <p:nvPr>
+            <p:ph type="sldNum" sz="quarter" idx="12"/>
+          </p:nvPr>
+        </p:nvSpPr>
+        <p:spPr/>
+        <p:txBody>
+          <a:bodyPr/>
+          <a:lstStyle/>
+          <a:p>
+            <a:fld id="{B6F15528-21DE-4FAA-801E-634DDDAF4B2B}" type="slidenum">
+              <a:rPr lang="en-US" smtClean="0"/>
+              <a:pPr/>
+              <a:t>40</a:t>
+            </a:fld>
+            <a:endParaRPr lang="en-US" dirty="0"/>
+          </a:p>
+        </p:txBody>
+      </p:sp>
     </p:spTree>
   </p:cSld>
   <p:clrMapOvr>
@@ -27231,6 +28415,36 @@
           </p:txBody>
         </p:sp>
       </p:grpSp>
+      <p:sp>
+        <p:nvSpPr>
+          <p:cNvPr id="12" name="Slide Number Placeholder 11">
+            <a:extLst>
+              <a:ext uri="{FF2B5EF4-FFF2-40B4-BE49-F238E27FC236}">
+                <a16:creationId xmlns:a16="http://schemas.microsoft.com/office/drawing/2014/main" id="{03492AE7-24CB-6ACF-346C-49A6E49F3E6D}"/>
+              </a:ext>
+            </a:extLst>
+          </p:cNvPr>
+          <p:cNvSpPr>
+            <a:spLocks noGrp="1"/>
+          </p:cNvSpPr>
+          <p:nvPr>
+            <p:ph type="sldNum" sz="quarter" idx="12"/>
+          </p:nvPr>
+        </p:nvSpPr>
+        <p:spPr/>
+        <p:txBody>
+          <a:bodyPr/>
+          <a:lstStyle/>
+          <a:p>
+            <a:fld id="{B6F15528-21DE-4FAA-801E-634DDDAF4B2B}" type="slidenum">
+              <a:rPr lang="en-US" smtClean="0"/>
+              <a:pPr/>
+              <a:t>41</a:t>
+            </a:fld>
+            <a:endParaRPr lang="en-US" dirty="0"/>
+          </a:p>
+        </p:txBody>
+      </p:sp>
     </p:spTree>
   </p:cSld>
   <p:clrMapOvr>
@@ -27874,6 +29088,36 @@
           </p:txBody>
         </p:sp>
       </p:grpSp>
+      <p:sp>
+        <p:nvSpPr>
+          <p:cNvPr id="7" name="Slide Number Placeholder 6">
+            <a:extLst>
+              <a:ext uri="{FF2B5EF4-FFF2-40B4-BE49-F238E27FC236}">
+                <a16:creationId xmlns:a16="http://schemas.microsoft.com/office/drawing/2014/main" id="{292B3F5C-44F9-2F10-E8E9-D20C8D3213C8}"/>
+              </a:ext>
+            </a:extLst>
+          </p:cNvPr>
+          <p:cNvSpPr>
+            <a:spLocks noGrp="1"/>
+          </p:cNvSpPr>
+          <p:nvPr>
+            <p:ph type="sldNum" sz="quarter" idx="12"/>
+          </p:nvPr>
+        </p:nvSpPr>
+        <p:spPr/>
+        <p:txBody>
+          <a:bodyPr/>
+          <a:lstStyle/>
+          <a:p>
+            <a:fld id="{B6F15528-21DE-4FAA-801E-634DDDAF4B2B}" type="slidenum">
+              <a:rPr lang="en-US" smtClean="0"/>
+              <a:pPr/>
+              <a:t>5</a:t>
+            </a:fld>
+            <a:endParaRPr lang="en-US" dirty="0"/>
+          </a:p>
+        </p:txBody>
+      </p:sp>
     </p:spTree>
   </p:cSld>
   <p:clrMapOvr>
@@ -28517,6 +29761,36 @@
           </p:txBody>
         </p:sp>
       </p:grpSp>
+      <p:sp>
+        <p:nvSpPr>
+          <p:cNvPr id="7" name="Slide Number Placeholder 6">
+            <a:extLst>
+              <a:ext uri="{FF2B5EF4-FFF2-40B4-BE49-F238E27FC236}">
+                <a16:creationId xmlns:a16="http://schemas.microsoft.com/office/drawing/2014/main" id="{0A849681-33FF-8C80-4E45-64DD342FB328}"/>
+              </a:ext>
+            </a:extLst>
+          </p:cNvPr>
+          <p:cNvSpPr>
+            <a:spLocks noGrp="1"/>
+          </p:cNvSpPr>
+          <p:nvPr>
+            <p:ph type="sldNum" sz="quarter" idx="12"/>
+          </p:nvPr>
+        </p:nvSpPr>
+        <p:spPr/>
+        <p:txBody>
+          <a:bodyPr/>
+          <a:lstStyle/>
+          <a:p>
+            <a:fld id="{B6F15528-21DE-4FAA-801E-634DDDAF4B2B}" type="slidenum">
+              <a:rPr lang="en-US" smtClean="0"/>
+              <a:pPr/>
+              <a:t>6</a:t>
+            </a:fld>
+            <a:endParaRPr lang="en-US" dirty="0"/>
+          </a:p>
+        </p:txBody>
+      </p:sp>
     </p:spTree>
   </p:cSld>
   <p:clrMapOvr>
@@ -29160,6 +30434,36 @@
           </p:txBody>
         </p:sp>
       </p:grpSp>
+      <p:sp>
+        <p:nvSpPr>
+          <p:cNvPr id="7" name="Slide Number Placeholder 6">
+            <a:extLst>
+              <a:ext uri="{FF2B5EF4-FFF2-40B4-BE49-F238E27FC236}">
+                <a16:creationId xmlns:a16="http://schemas.microsoft.com/office/drawing/2014/main" id="{A49EAC9E-8262-3289-48C0-EA516AB5E03C}"/>
+              </a:ext>
+            </a:extLst>
+          </p:cNvPr>
+          <p:cNvSpPr>
+            <a:spLocks noGrp="1"/>
+          </p:cNvSpPr>
+          <p:nvPr>
+            <p:ph type="sldNum" sz="quarter" idx="12"/>
+          </p:nvPr>
+        </p:nvSpPr>
+        <p:spPr/>
+        <p:txBody>
+          <a:bodyPr/>
+          <a:lstStyle/>
+          <a:p>
+            <a:fld id="{B6F15528-21DE-4FAA-801E-634DDDAF4B2B}" type="slidenum">
+              <a:rPr lang="en-US" smtClean="0"/>
+              <a:pPr/>
+              <a:t>7</a:t>
+            </a:fld>
+            <a:endParaRPr lang="en-US" dirty="0"/>
+          </a:p>
+        </p:txBody>
+      </p:sp>
     </p:spTree>
   </p:cSld>
   <p:clrMapOvr>
@@ -29787,6 +31091,36 @@
           </p:txBody>
         </p:sp>
       </p:grpSp>
+      <p:sp>
+        <p:nvSpPr>
+          <p:cNvPr id="7" name="Slide Number Placeholder 6">
+            <a:extLst>
+              <a:ext uri="{FF2B5EF4-FFF2-40B4-BE49-F238E27FC236}">
+                <a16:creationId xmlns:a16="http://schemas.microsoft.com/office/drawing/2014/main" id="{0389B360-2B9B-2747-125B-CEF7E7AA7DCD}"/>
+              </a:ext>
+            </a:extLst>
+          </p:cNvPr>
+          <p:cNvSpPr>
+            <a:spLocks noGrp="1"/>
+          </p:cNvSpPr>
+          <p:nvPr>
+            <p:ph type="sldNum" sz="quarter" idx="12"/>
+          </p:nvPr>
+        </p:nvSpPr>
+        <p:spPr/>
+        <p:txBody>
+          <a:bodyPr/>
+          <a:lstStyle/>
+          <a:p>
+            <a:fld id="{B6F15528-21DE-4FAA-801E-634DDDAF4B2B}" type="slidenum">
+              <a:rPr lang="en-US" smtClean="0"/>
+              <a:pPr/>
+              <a:t>8</a:t>
+            </a:fld>
+            <a:endParaRPr lang="en-US" dirty="0"/>
+          </a:p>
+        </p:txBody>
+      </p:sp>
     </p:spTree>
   </p:cSld>
   <p:clrMapOvr>
@@ -30430,6 +31764,36 @@
           </p:txBody>
         </p:sp>
       </p:grpSp>
+      <p:sp>
+        <p:nvSpPr>
+          <p:cNvPr id="7" name="Slide Number Placeholder 6">
+            <a:extLst>
+              <a:ext uri="{FF2B5EF4-FFF2-40B4-BE49-F238E27FC236}">
+                <a16:creationId xmlns:a16="http://schemas.microsoft.com/office/drawing/2014/main" id="{93A48801-DA6A-FE32-D167-50FA0FD5071F}"/>
+              </a:ext>
+            </a:extLst>
+          </p:cNvPr>
+          <p:cNvSpPr>
+            <a:spLocks noGrp="1"/>
+          </p:cNvSpPr>
+          <p:nvPr>
+            <p:ph type="sldNum" sz="quarter" idx="12"/>
+          </p:nvPr>
+        </p:nvSpPr>
+        <p:spPr/>
+        <p:txBody>
+          <a:bodyPr/>
+          <a:lstStyle/>
+          <a:p>
+            <a:fld id="{B6F15528-21DE-4FAA-801E-634DDDAF4B2B}" type="slidenum">
+              <a:rPr lang="en-US" smtClean="0"/>
+              <a:pPr/>
+              <a:t>9</a:t>
+            </a:fld>
+            <a:endParaRPr lang="en-US" dirty="0"/>
+          </a:p>
+        </p:txBody>
+      </p:sp>
     </p:spTree>
   </p:cSld>
   <p:clrMapOvr>
@@ -31002,4 +32366,319 @@
   <a:objectDefaults/>
   <a:extraClrSchemeLst/>
 </a:theme>
+</file>
+
+<file path=ppt/theme/theme3.xml><?xml version="1.0" encoding="utf-8"?>
+<a:theme xmlns:a="http://schemas.openxmlformats.org/drawingml/2006/main" name="Office Theme">
+  <a:themeElements>
+    <a:clrScheme name="Office">
+      <a:dk1>
+        <a:sysClr val="windowText" lastClr="000000"/>
+      </a:dk1>
+      <a:lt1>
+        <a:sysClr val="window" lastClr="FFFFFF"/>
+      </a:lt1>
+      <a:dk2>
+        <a:srgbClr val="0E2841"/>
+      </a:dk2>
+      <a:lt2>
+        <a:srgbClr val="E8E8E8"/>
+      </a:lt2>
+      <a:accent1>
+        <a:srgbClr val="156082"/>
+      </a:accent1>
+      <a:accent2>
+        <a:srgbClr val="E97132"/>
+      </a:accent2>
+      <a:accent3>
+        <a:srgbClr val="196B24"/>
+      </a:accent3>
+      <a:accent4>
+        <a:srgbClr val="0F9ED5"/>
+      </a:accent4>
+      <a:accent5>
+        <a:srgbClr val="A02B93"/>
+      </a:accent5>
+      <a:accent6>
+        <a:srgbClr val="4EA72E"/>
+      </a:accent6>
+      <a:hlink>
+        <a:srgbClr val="467886"/>
+      </a:hlink>
+      <a:folHlink>
+        <a:srgbClr val="96607D"/>
+      </a:folHlink>
+    </a:clrScheme>
+    <a:fontScheme name="Office">
+      <a:majorFont>
+        <a:latin typeface="Aptos Display" panose="02110004020202020204"/>
+        <a:ea typeface=""/>
+        <a:cs typeface=""/>
+        <a:font script="Jpan" typeface="游ゴシック Light"/>
+        <a:font script="Hang" typeface="맑은 고딕"/>
+        <a:font script="Hans" typeface="等线 Light"/>
+        <a:font script="Hant" typeface="新細明體"/>
+        <a:font script="Arab" typeface="Times New Roman"/>
+        <a:font script="Hebr" typeface="Times New Roman"/>
+        <a:font script="Thai" typeface="Angsana New"/>
+        <a:font script="Ethi" typeface="Nyala"/>
+        <a:font script="Beng" typeface="Vrinda"/>
+        <a:font script="Gujr" typeface="Shruti"/>
+        <a:font script="Khmr" typeface="MoolBoran"/>
+        <a:font script="Knda" typeface="Tunga"/>
+        <a:font script="Guru" typeface="Raavi"/>
+        <a:font script="Cans" typeface="Euphemia"/>
+        <a:font script="Cher" typeface="Plantagenet Cherokee"/>
+        <a:font script="Yiii" typeface="Microsoft Yi Baiti"/>
+        <a:font script="Tibt" typeface="Microsoft Himalaya"/>
+        <a:font script="Thaa" typeface="MV Boli"/>
+        <a:font script="Deva" typeface="Mangal"/>
+        <a:font script="Telu" typeface="Gautami"/>
+        <a:font script="Taml" typeface="Latha"/>
+        <a:font script="Syrc" typeface="Estrangelo Edessa"/>
+        <a:font script="Orya" typeface="Kalinga"/>
+        <a:font script="Mlym" typeface="Kartika"/>
+        <a:font script="Laoo" typeface="DokChampa"/>
+        <a:font script="Sinh" typeface="Iskoola Pota"/>
+        <a:font script="Mong" typeface="Mongolian Baiti"/>
+        <a:font script="Viet" typeface="Times New Roman"/>
+        <a:font script="Uigh" typeface="Microsoft Uighur"/>
+        <a:font script="Geor" typeface="Sylfaen"/>
+        <a:font script="Armn" typeface="Arial"/>
+        <a:font script="Bugi" typeface="Leelawadee UI"/>
+        <a:font script="Bopo" typeface="Microsoft JhengHei"/>
+        <a:font script="Java" typeface="Javanese Text"/>
+        <a:font script="Lisu" typeface="Segoe UI"/>
+        <a:font script="Mymr" typeface="Myanmar Text"/>
+        <a:font script="Nkoo" typeface="Ebrima"/>
+        <a:font script="Olck" typeface="Nirmala UI"/>
+        <a:font script="Osma" typeface="Ebrima"/>
+        <a:font script="Phag" typeface="Phagspa"/>
+        <a:font script="Syrn" typeface="Estrangelo Edessa"/>
+        <a:font script="Syrj" typeface="Estrangelo Edessa"/>
+        <a:font script="Syre" typeface="Estrangelo Edessa"/>
+        <a:font script="Sora" typeface="Nirmala UI"/>
+        <a:font script="Tale" typeface="Microsoft Tai Le"/>
+        <a:font script="Talu" typeface="Microsoft New Tai Lue"/>
+        <a:font script="Tfng" typeface="Ebrima"/>
+      </a:majorFont>
+      <a:minorFont>
+        <a:latin typeface="Aptos" panose="02110004020202020204"/>
+        <a:ea typeface=""/>
+        <a:cs typeface=""/>
+        <a:font script="Jpan" typeface="游ゴシック"/>
+        <a:font script="Hang" typeface="맑은 고딕"/>
+        <a:font script="Hans" typeface="等线"/>
+        <a:font script="Hant" typeface="新細明體"/>
+        <a:font script="Arab" typeface="Arial"/>
+        <a:font script="Hebr" typeface="Arial"/>
+        <a:font script="Thai" typeface="Cordia New"/>
+        <a:font script="Ethi" typeface="Nyala"/>
+        <a:font script="Beng" typeface="Vrinda"/>
+        <a:font script="Gujr" typeface="Shruti"/>
+        <a:font script="Khmr" typeface="DaunPenh"/>
+        <a:font script="Knda" typeface="Tunga"/>
+        <a:font script="Guru" typeface="Raavi"/>
+        <a:font script="Cans" typeface="Euphemia"/>
+        <a:font script="Cher" typeface="Plantagenet Cherokee"/>
+        <a:font script="Yiii" typeface="Microsoft Yi Baiti"/>
+        <a:font script="Tibt" typeface="Microsoft Himalaya"/>
+        <a:font script="Thaa" typeface="MV Boli"/>
+        <a:font script="Deva" typeface="Mangal"/>
+        <a:font script="Telu" typeface="Gautami"/>
+        <a:font script="Taml" typeface="Latha"/>
+        <a:font script="Syrc" typeface="Estrangelo Edessa"/>
+        <a:font script="Orya" typeface="Kalinga"/>
+        <a:font script="Mlym" typeface="Kartika"/>
+        <a:font script="Laoo" typeface="DokChampa"/>
+        <a:font script="Sinh" typeface="Iskoola Pota"/>
+        <a:font script="Mong" typeface="Mongolian Baiti"/>
+        <a:font script="Viet" typeface="Arial"/>
+        <a:font script="Uigh" typeface="Microsoft Uighur"/>
+        <a:font script="Geor" typeface="Sylfaen"/>
+        <a:font script="Armn" typeface="Arial"/>
+        <a:font script="Bugi" typeface="Leelawadee UI"/>
+        <a:font script="Bopo" typeface="Microsoft JhengHei"/>
+        <a:font script="Java" typeface="Javanese Text"/>
+        <a:font script="Lisu" typeface="Segoe UI"/>
+        <a:font script="Mymr" typeface="Myanmar Text"/>
+        <a:font script="Nkoo" typeface="Ebrima"/>
+        <a:font script="Olck" typeface="Nirmala UI"/>
+        <a:font script="Osma" typeface="Ebrima"/>
+        <a:font script="Phag" typeface="Phagspa"/>
+        <a:font script="Syrn" typeface="Estrangelo Edessa"/>
+        <a:font script="Syrj" typeface="Estrangelo Edessa"/>
+        <a:font script="Syre" typeface="Estrangelo Edessa"/>
+        <a:font script="Sora" typeface="Nirmala UI"/>
+        <a:font script="Tale" typeface="Microsoft Tai Le"/>
+        <a:font script="Talu" typeface="Microsoft New Tai Lue"/>
+        <a:font script="Tfng" typeface="Ebrima"/>
+      </a:minorFont>
+    </a:fontScheme>
+    <a:fmtScheme name="Office">
+      <a:fillStyleLst>
+        <a:solidFill>
+          <a:schemeClr val="phClr"/>
+        </a:solidFill>
+        <a:gradFill rotWithShape="1">
+          <a:gsLst>
+            <a:gs pos="0">
+              <a:schemeClr val="phClr">
+                <a:lumMod val="110000"/>
+                <a:satMod val="105000"/>
+                <a:tint val="67000"/>
+              </a:schemeClr>
+            </a:gs>
+            <a:gs pos="50000">
+              <a:schemeClr val="phClr">
+                <a:lumMod val="105000"/>
+                <a:satMod val="103000"/>
+                <a:tint val="73000"/>
+              </a:schemeClr>
+            </a:gs>
+            <a:gs pos="100000">
+              <a:schemeClr val="phClr">
+                <a:lumMod val="105000"/>
+                <a:satMod val="109000"/>
+                <a:tint val="81000"/>
+              </a:schemeClr>
+            </a:gs>
+          </a:gsLst>
+          <a:lin ang="5400000" scaled="0"/>
+        </a:gradFill>
+        <a:gradFill rotWithShape="1">
+          <a:gsLst>
+            <a:gs pos="0">
+              <a:schemeClr val="phClr">
+                <a:satMod val="103000"/>
+                <a:lumMod val="102000"/>
+                <a:tint val="94000"/>
+              </a:schemeClr>
+            </a:gs>
+            <a:gs pos="50000">
+              <a:schemeClr val="phClr">
+                <a:satMod val="110000"/>
+                <a:lumMod val="100000"/>
+                <a:shade val="100000"/>
+              </a:schemeClr>
+            </a:gs>
+            <a:gs pos="100000">
+              <a:schemeClr val="phClr">
+                <a:lumMod val="99000"/>
+                <a:satMod val="120000"/>
+                <a:shade val="78000"/>
+              </a:schemeClr>
+            </a:gs>
+          </a:gsLst>
+          <a:lin ang="5400000" scaled="0"/>
+        </a:gradFill>
+      </a:fillStyleLst>
+      <a:lnStyleLst>
+        <a:ln w="12700" cap="flat" cmpd="sng" algn="ctr">
+          <a:solidFill>
+            <a:schemeClr val="phClr"/>
+          </a:solidFill>
+          <a:prstDash val="solid"/>
+          <a:miter lim="800000"/>
+        </a:ln>
+        <a:ln w="19050" cap="flat" cmpd="sng" algn="ctr">
+          <a:solidFill>
+            <a:schemeClr val="phClr"/>
+          </a:solidFill>
+          <a:prstDash val="solid"/>
+          <a:miter lim="800000"/>
+        </a:ln>
+        <a:ln w="25400" cap="flat" cmpd="sng" algn="ctr">
+          <a:solidFill>
+            <a:schemeClr val="phClr"/>
+          </a:solidFill>
+          <a:prstDash val="solid"/>
+          <a:miter lim="800000"/>
+        </a:ln>
+      </a:lnStyleLst>
+      <a:effectStyleLst>
+        <a:effectStyle>
+          <a:effectLst/>
+        </a:effectStyle>
+        <a:effectStyle>
+          <a:effectLst/>
+        </a:effectStyle>
+        <a:effectStyle>
+          <a:effectLst>
+            <a:outerShdw blurRad="57150" dist="19050" dir="5400000" algn="ctr" rotWithShape="0">
+              <a:srgbClr val="000000">
+                <a:alpha val="63000"/>
+              </a:srgbClr>
+            </a:outerShdw>
+          </a:effectLst>
+        </a:effectStyle>
+      </a:effectStyleLst>
+      <a:bgFillStyleLst>
+        <a:solidFill>
+          <a:schemeClr val="phClr"/>
+        </a:solidFill>
+        <a:solidFill>
+          <a:schemeClr val="phClr">
+            <a:tint val="95000"/>
+            <a:satMod val="170000"/>
+          </a:schemeClr>
+        </a:solidFill>
+        <a:gradFill rotWithShape="1">
+          <a:gsLst>
+            <a:gs pos="0">
+              <a:schemeClr val="phClr">
+                <a:tint val="93000"/>
+                <a:satMod val="150000"/>
+                <a:shade val="98000"/>
+                <a:lumMod val="102000"/>
+              </a:schemeClr>
+            </a:gs>
+            <a:gs pos="50000">
+              <a:schemeClr val="phClr">
+                <a:tint val="98000"/>
+                <a:satMod val="130000"/>
+                <a:shade val="90000"/>
+                <a:lumMod val="103000"/>
+              </a:schemeClr>
+            </a:gs>
+            <a:gs pos="100000">
+              <a:schemeClr val="phClr">
+                <a:shade val="63000"/>
+                <a:satMod val="120000"/>
+              </a:schemeClr>
+            </a:gs>
+          </a:gsLst>
+          <a:lin ang="5400000" scaled="0"/>
+        </a:gradFill>
+      </a:bgFillStyleLst>
+    </a:fmtScheme>
+  </a:themeElements>
+  <a:objectDefaults>
+    <a:lnDef>
+      <a:spPr/>
+      <a:bodyPr/>
+      <a:lstStyle/>
+      <a:style>
+        <a:lnRef idx="2">
+          <a:schemeClr val="accent1"/>
+        </a:lnRef>
+        <a:fillRef idx="0">
+          <a:schemeClr val="accent1"/>
+        </a:fillRef>
+        <a:effectRef idx="1">
+          <a:schemeClr val="accent1"/>
+        </a:effectRef>
+        <a:fontRef idx="minor">
+          <a:schemeClr val="tx1"/>
+        </a:fontRef>
+      </a:style>
+    </a:lnDef>
+  </a:objectDefaults>
+  <a:extraClrSchemeLst/>
+  <a:extLst>
+    <a:ext uri="{05A4C25C-085E-4340-85A3-A5531E510DB2}">
+      <thm15:themeFamily xmlns:thm15="http://schemas.microsoft.com/office/thememl/2012/main" name="Office Theme" id="{2E142A2C-CD16-42D6-873A-C26D2A0506FA}" vid="{1BDDFF52-6CD6-40A5-AB3C-68EB2F1E4D0A}"/>
+    </a:ext>
+  </a:extLst>
+</a:theme>
 </file>